--- a/doc/mockups/features-screenshots/feature7-studentViewReport.pptx
+++ b/doc/mockups/features-screenshots/feature7-studentViewReport.pptx
@@ -3088,26 +3088,34 @@
       </p:grpSpPr>
       <p:pic>
         <p:nvPicPr>
-          <p:cNvPr id="12" name="Picture 11" descr="student.png"/>
+          <p:cNvPr id="1026" name="Picture 2"/>
           <p:cNvPicPr>
-            <a:picLocks noChangeAspect="1"/>
+            <a:picLocks noChangeAspect="1" noChangeArrowheads="1"/>
           </p:cNvPicPr>
           <p:nvPr/>
         </p:nvPicPr>
         <p:blipFill>
           <a:blip r:embed="rId2" cstate="print"/>
+          <a:srcRect/>
           <a:stretch>
             <a:fillRect/>
           </a:stretch>
         </p:blipFill>
-        <p:spPr>
+        <p:spPr bwMode="auto">
           <a:xfrm>
-            <a:off x="288404" y="107876"/>
-            <a:ext cx="1046391" cy="739691"/>
+            <a:off x="2520652" y="107876"/>
+            <a:ext cx="5017923" cy="2520280"/>
           </a:xfrm>
           <a:prstGeom prst="rect">
             <a:avLst/>
           </a:prstGeom>
+          <a:noFill/>
+          <a:ln w="9525">
+            <a:noFill/>
+            <a:miter lim="800000"/>
+            <a:headEnd/>
+            <a:tailEnd/>
+          </a:ln>
         </p:spPr>
       </p:pic>
       <p:cxnSp>
@@ -3117,9 +3125,9 @@
           <p:nvPr/>
         </p:nvCxnSpPr>
         <p:spPr>
-          <a:xfrm rot="10800000" flipH="1">
-            <a:off x="1296518" y="467916"/>
-            <a:ext cx="1080118" cy="0"/>
+          <a:xfrm>
+            <a:off x="1584548" y="467916"/>
+            <a:ext cx="792088" cy="0"/>
           </a:xfrm>
           <a:prstGeom prst="straightConnector1">
             <a:avLst/>
@@ -3154,7 +3162,7 @@
         </p:nvSpPr>
         <p:spPr>
           <a:xfrm>
-            <a:off x="1008485" y="755948"/>
+            <a:off x="792460" y="971972"/>
             <a:ext cx="1584176" cy="634484"/>
           </a:xfrm>
           <a:prstGeom prst="rect">
@@ -3176,38 +3184,6 @@
           </a:p>
         </p:txBody>
       </p:sp>
-      <p:pic>
-        <p:nvPicPr>
-          <p:cNvPr id="15" name="Picture 2"/>
-          <p:cNvPicPr>
-            <a:picLocks noChangeAspect="1" noChangeArrowheads="1"/>
-          </p:cNvPicPr>
-          <p:nvPr/>
-        </p:nvPicPr>
-        <p:blipFill>
-          <a:blip r:embed="rId3" cstate="print"/>
-          <a:srcRect/>
-          <a:stretch>
-            <a:fillRect/>
-          </a:stretch>
-        </p:blipFill>
-        <p:spPr bwMode="auto">
-          <a:xfrm>
-            <a:off x="2511374" y="35868"/>
-            <a:ext cx="5049838" cy="2600325"/>
-          </a:xfrm>
-          <a:prstGeom prst="rect">
-            <a:avLst/>
-          </a:prstGeom>
-          <a:noFill/>
-          <a:ln w="9525">
-            <a:noFill/>
-            <a:miter lim="800000"/>
-            <a:headEnd/>
-            <a:tailEnd/>
-          </a:ln>
-        </p:spPr>
-      </p:pic>
       <p:sp>
         <p:nvSpPr>
           <p:cNvPr id="16" name="Rectangular Callout 15"/>
@@ -3396,12 +3372,170 @@
             </a:r>
             <a:r>
               <a:rPr lang="en-US" sz="1200" dirty="0" smtClean="0"/>
-              <a:t>work done be each.</a:t>
+              <a:t>work done by each.</a:t>
             </a:r>
             <a:endParaRPr lang="en-SG" sz="1200" dirty="0"/>
           </a:p>
         </p:txBody>
       </p:sp>
+      <p:grpSp>
+        <p:nvGrpSpPr>
+          <p:cNvPr id="10" name="Group 9"/>
+          <p:cNvGrpSpPr/>
+          <p:nvPr/>
+        </p:nvGrpSpPr>
+        <p:grpSpPr>
+          <a:xfrm>
+            <a:off x="216396" y="107876"/>
+            <a:ext cx="1325464" cy="779685"/>
+            <a:chOff x="-76200" y="688745"/>
+            <a:chExt cx="1295400" cy="762000"/>
+          </a:xfrm>
+        </p:grpSpPr>
+        <p:grpSp>
+          <p:nvGrpSpPr>
+            <p:cNvPr id="11" name="Group 111"/>
+            <p:cNvGrpSpPr/>
+            <p:nvPr/>
+          </p:nvGrpSpPr>
+          <p:grpSpPr>
+            <a:xfrm>
+              <a:off x="-76200" y="829023"/>
+              <a:ext cx="853372" cy="548572"/>
+              <a:chOff x="-76200" y="829023"/>
+              <a:chExt cx="853372" cy="548572"/>
+            </a:xfrm>
+          </p:grpSpPr>
+          <p:pic>
+            <p:nvPicPr>
+              <p:cNvPr id="20" name="Picture 5" descr="C:\Users\dcsdcr\AppData\Local\Microsoft\Windows\Temporary Internet Files\Content.IE5\8EW2YN38\MC900432611[1].png"/>
+              <p:cNvPicPr>
+                <a:picLocks noChangeAspect="1" noChangeArrowheads="1"/>
+              </p:cNvPicPr>
+              <p:nvPr/>
+            </p:nvPicPr>
+            <p:blipFill>
+              <a:blip r:embed="rId3" cstate="print">
+                <a:duotone>
+                  <a:schemeClr val="bg2">
+                    <a:shade val="45000"/>
+                    <a:satMod val="135000"/>
+                  </a:schemeClr>
+                  <a:prstClr val="white"/>
+                </a:duotone>
+              </a:blip>
+              <a:srcRect/>
+              <a:stretch>
+                <a:fillRect/>
+              </a:stretch>
+            </p:blipFill>
+            <p:spPr bwMode="auto">
+              <a:xfrm>
+                <a:off x="-76200" y="829023"/>
+                <a:ext cx="548572" cy="548572"/>
+              </a:xfrm>
+              <a:prstGeom prst="rect">
+                <a:avLst/>
+              </a:prstGeom>
+              <a:noFill/>
+            </p:spPr>
+          </p:pic>
+          <p:pic>
+            <p:nvPicPr>
+              <p:cNvPr id="21" name="Picture 6" descr="C:\Users\dcsdcr\AppData\Local\Microsoft\Windows\Temporary Internet Files\Content.IE5\X9F2A1EC\MC900432609[1].png"/>
+              <p:cNvPicPr>
+                <a:picLocks noChangeAspect="1" noChangeArrowheads="1"/>
+              </p:cNvPicPr>
+              <p:nvPr/>
+            </p:nvPicPr>
+            <p:blipFill>
+              <a:blip r:embed="rId4" cstate="print">
+                <a:duotone>
+                  <a:schemeClr val="bg2">
+                    <a:shade val="45000"/>
+                    <a:satMod val="135000"/>
+                  </a:schemeClr>
+                  <a:prstClr val="white"/>
+                </a:duotone>
+              </a:blip>
+              <a:srcRect/>
+              <a:stretch>
+                <a:fillRect/>
+              </a:stretch>
+            </p:blipFill>
+            <p:spPr bwMode="auto">
+              <a:xfrm>
+                <a:off x="76200" y="829023"/>
+                <a:ext cx="548572" cy="548572"/>
+              </a:xfrm>
+              <a:prstGeom prst="rect">
+                <a:avLst/>
+              </a:prstGeom>
+              <a:noFill/>
+            </p:spPr>
+          </p:pic>
+          <p:pic>
+            <p:nvPicPr>
+              <p:cNvPr id="22" name="Picture 7" descr="C:\Users\dcsdcr\AppData\Local\Microsoft\Windows\Temporary Internet Files\Content.IE5\DNBC9CGL\MC900432612[1].png"/>
+              <p:cNvPicPr>
+                <a:picLocks noChangeAspect="1" noChangeArrowheads="1"/>
+              </p:cNvPicPr>
+              <p:nvPr/>
+            </p:nvPicPr>
+            <p:blipFill>
+              <a:blip r:embed="rId5" cstate="print">
+                <a:duotone>
+                  <a:schemeClr val="bg2">
+                    <a:shade val="45000"/>
+                    <a:satMod val="135000"/>
+                  </a:schemeClr>
+                  <a:prstClr val="white"/>
+                </a:duotone>
+              </a:blip>
+              <a:srcRect/>
+              <a:stretch>
+                <a:fillRect/>
+              </a:stretch>
+            </p:blipFill>
+            <p:spPr bwMode="auto">
+              <a:xfrm>
+                <a:off x="228600" y="829023"/>
+                <a:ext cx="548572" cy="548572"/>
+              </a:xfrm>
+              <a:prstGeom prst="rect">
+                <a:avLst/>
+              </a:prstGeom>
+              <a:noFill/>
+            </p:spPr>
+          </p:pic>
+        </p:grpSp>
+        <p:pic>
+          <p:nvPicPr>
+            <p:cNvPr id="15" name="Picture 8" descr="C:\Users\dcsdcr\AppData\Local\Microsoft\Windows\Temporary Internet Files\Content.IE5\VAN5VK8I\MC900432610[1].png"/>
+            <p:cNvPicPr>
+              <a:picLocks noChangeAspect="1" noChangeArrowheads="1"/>
+            </p:cNvPicPr>
+            <p:nvPr/>
+          </p:nvPicPr>
+          <p:blipFill>
+            <a:blip r:embed="rId6" cstate="print"/>
+            <a:srcRect/>
+            <a:stretch>
+              <a:fillRect/>
+            </a:stretch>
+          </p:blipFill>
+          <p:spPr bwMode="auto">
+            <a:xfrm>
+              <a:off x="457200" y="688745"/>
+              <a:ext cx="762000" cy="762000"/>
+            </a:xfrm>
+            <a:prstGeom prst="rect">
+              <a:avLst/>
+            </a:prstGeom>
+            <a:noFill/>
+          </p:spPr>
+        </p:pic>
+      </p:grpSp>
     </p:spTree>
   </p:cSld>
   <p:clrMapOvr>

--- a/doc/mockups/features-screenshots/feature7-studentViewReport.pptx
+++ b/doc/mockups/features-screenshots/feature7-studentViewReport.pptx
@@ -9,6 +9,9 @@
   </p:sldIdLst>
   <p:sldSz cx="7921625" cy="3240088"/>
   <p:notesSz cx="6858000" cy="9144000"/>
+  <p:custDataLst>
+    <p:tags r:id="rId3"/>
+  </p:custDataLst>
   <p:defaultTextStyle>
     <a:defPPr>
       <a:defRPr lang="en-US"/>
@@ -113,27 +116,6 @@
 </p:cmAuthorLst>
 </file>
 
-<file path=ppt/comments/comment1.xml><?xml version="1.0" encoding="utf-8"?>
-<p:cmLst xmlns:a="http://schemas.openxmlformats.org/drawingml/2006/main" xmlns:r="http://schemas.openxmlformats.org/officeDocument/2006/relationships" xmlns:p="http://schemas.openxmlformats.org/presentationml/2006/main">
-  <p:cm authorId="0" dt="2012-08-01T10:54:31.883" idx="13">
-    <p:pos x="2283" y="76"/>
-    <p:text>'E+20%' should not be in the next line</p:text>
-  </p:cm>
-  <p:cm authorId="0" dt="2012-08-01T10:57:01.721" idx="14">
-    <p:pos x="1508" y="1583"/>
-    <p:text>Bold the names</p:text>
-  </p:cm>
-  <p:cm authorId="0" dt="2012-08-01T10:58:01.212" idx="15">
-    <p:pos x="1464" y="1193"/>
-    <p:text>Add some suggestion for improvement. Otherwise it doesn't match with E-20% above.</p:text>
-  </p:cm>
-  <p:cm authorId="0" dt="2012-08-01T10:59:56.745" idx="16">
-    <p:pos x="2895" y="519"/>
-    <p:text>Add one more values under 'Of others'. This is a three person team.</p:text>
-  </p:cm>
-</p:cmLst>
-</file>
-
 <file path=ppt/slideLayouts/slideLayout1.xml><?xml version="1.0" encoding="utf-8"?>
 <p:sldLayout xmlns:a="http://schemas.openxmlformats.org/drawingml/2006/main" xmlns:r="http://schemas.openxmlformats.org/officeDocument/2006/relationships" xmlns:p="http://schemas.openxmlformats.org/presentationml/2006/main" type="title" preserve="1">
   <p:cSld name="Title Slide">
@@ -316,7 +298,7 @@
             <a:fld id="{B0544CA6-0BFF-4F49-885A-88A3CCAE5331}" type="datetimeFigureOut">
               <a:rPr lang="en-SG" smtClean="0"/>
               <a:pPr/>
-              <a:t>1/8/2012</a:t>
+              <a:t>20/3/2013</a:t>
             </a:fld>
             <a:endParaRPr lang="en-SG"/>
           </a:p>
@@ -483,7 +465,7 @@
             <a:fld id="{B0544CA6-0BFF-4F49-885A-88A3CCAE5331}" type="datetimeFigureOut">
               <a:rPr lang="en-SG" smtClean="0"/>
               <a:pPr/>
-              <a:t>1/8/2012</a:t>
+              <a:t>20/3/2013</a:t>
             </a:fld>
             <a:endParaRPr lang="en-SG"/>
           </a:p>
@@ -660,7 +642,7 @@
             <a:fld id="{B0544CA6-0BFF-4F49-885A-88A3CCAE5331}" type="datetimeFigureOut">
               <a:rPr lang="en-SG" smtClean="0"/>
               <a:pPr/>
-              <a:t>1/8/2012</a:t>
+              <a:t>20/3/2013</a:t>
             </a:fld>
             <a:endParaRPr lang="en-SG"/>
           </a:p>
@@ -827,7 +809,7 @@
             <a:fld id="{B0544CA6-0BFF-4F49-885A-88A3CCAE5331}" type="datetimeFigureOut">
               <a:rPr lang="en-SG" smtClean="0"/>
               <a:pPr/>
-              <a:t>1/8/2012</a:t>
+              <a:t>20/3/2013</a:t>
             </a:fld>
             <a:endParaRPr lang="en-SG"/>
           </a:p>
@@ -1070,7 +1052,7 @@
             <a:fld id="{B0544CA6-0BFF-4F49-885A-88A3CCAE5331}" type="datetimeFigureOut">
               <a:rPr lang="en-SG" smtClean="0"/>
               <a:pPr/>
-              <a:t>1/8/2012</a:t>
+              <a:t>20/3/2013</a:t>
             </a:fld>
             <a:endParaRPr lang="en-SG"/>
           </a:p>
@@ -1355,7 +1337,7 @@
             <a:fld id="{B0544CA6-0BFF-4F49-885A-88A3CCAE5331}" type="datetimeFigureOut">
               <a:rPr lang="en-SG" smtClean="0"/>
               <a:pPr/>
-              <a:t>1/8/2012</a:t>
+              <a:t>20/3/2013</a:t>
             </a:fld>
             <a:endParaRPr lang="en-SG"/>
           </a:p>
@@ -1774,7 +1756,7 @@
             <a:fld id="{B0544CA6-0BFF-4F49-885A-88A3CCAE5331}" type="datetimeFigureOut">
               <a:rPr lang="en-SG" smtClean="0"/>
               <a:pPr/>
-              <a:t>1/8/2012</a:t>
+              <a:t>20/3/2013</a:t>
             </a:fld>
             <a:endParaRPr lang="en-SG"/>
           </a:p>
@@ -1889,7 +1871,7 @@
             <a:fld id="{B0544CA6-0BFF-4F49-885A-88A3CCAE5331}" type="datetimeFigureOut">
               <a:rPr lang="en-SG" smtClean="0"/>
               <a:pPr/>
-              <a:t>1/8/2012</a:t>
+              <a:t>20/3/2013</a:t>
             </a:fld>
             <a:endParaRPr lang="en-SG"/>
           </a:p>
@@ -1981,7 +1963,7 @@
             <a:fld id="{B0544CA6-0BFF-4F49-885A-88A3CCAE5331}" type="datetimeFigureOut">
               <a:rPr lang="en-SG" smtClean="0"/>
               <a:pPr/>
-              <a:t>1/8/2012</a:t>
+              <a:t>20/3/2013</a:t>
             </a:fld>
             <a:endParaRPr lang="en-SG"/>
           </a:p>
@@ -2255,7 +2237,7 @@
             <a:fld id="{B0544CA6-0BFF-4F49-885A-88A3CCAE5331}" type="datetimeFigureOut">
               <a:rPr lang="en-SG" smtClean="0"/>
               <a:pPr/>
-              <a:t>1/8/2012</a:t>
+              <a:t>20/3/2013</a:t>
             </a:fld>
             <a:endParaRPr lang="en-SG"/>
           </a:p>
@@ -2505,7 +2487,7 @@
             <a:fld id="{B0544CA6-0BFF-4F49-885A-88A3CCAE5331}" type="datetimeFigureOut">
               <a:rPr lang="en-SG" smtClean="0"/>
               <a:pPr/>
-              <a:t>1/8/2012</a:t>
+              <a:t>20/3/2013</a:t>
             </a:fld>
             <a:endParaRPr lang="en-SG"/>
           </a:p>
@@ -2715,7 +2697,7 @@
             <a:fld id="{B0544CA6-0BFF-4F49-885A-88A3CCAE5331}" type="datetimeFigureOut">
               <a:rPr lang="en-SG" smtClean="0"/>
               <a:pPr/>
-              <a:t>1/8/2012</a:t>
+              <a:t>20/3/2013</a:t>
             </a:fld>
             <a:endParaRPr lang="en-SG"/>
           </a:p>
@@ -3192,7 +3174,7 @@
         </p:nvSpPr>
         <p:spPr>
           <a:xfrm rot="10800000">
-            <a:off x="5184948" y="683940"/>
+            <a:off x="5833020" y="683940"/>
             <a:ext cx="1944216" cy="648072"/>
           </a:xfrm>
           <a:prstGeom prst="wedgeRectCallout">
@@ -3243,7 +3225,7 @@
         </p:nvSpPr>
         <p:spPr>
           <a:xfrm>
-            <a:off x="5247331" y="719155"/>
+            <a:off x="5895403" y="719155"/>
             <a:ext cx="2025849" cy="634484"/>
           </a:xfrm>
           <a:prstGeom prst="rect">
@@ -3380,161 +3362,879 @@
       </p:sp>
       <p:grpSp>
         <p:nvGrpSpPr>
-          <p:cNvPr id="10" name="Group 9"/>
+          <p:cNvPr id="39" name="Group 38"/>
           <p:cNvGrpSpPr/>
           <p:nvPr/>
         </p:nvGrpSpPr>
         <p:grpSpPr>
           <a:xfrm>
-            <a:off x="216396" y="107876"/>
-            <a:ext cx="1325464" cy="779685"/>
-            <a:chOff x="-76200" y="688745"/>
-            <a:chExt cx="1295400" cy="762000"/>
+            <a:off x="215706" y="107876"/>
+            <a:ext cx="1224826" cy="624638"/>
+            <a:chOff x="87672" y="425619"/>
+            <a:chExt cx="1224826" cy="624638"/>
           </a:xfrm>
         </p:grpSpPr>
         <p:grpSp>
           <p:nvGrpSpPr>
-            <p:cNvPr id="11" name="Group 111"/>
-            <p:cNvGrpSpPr/>
+            <p:cNvPr id="40" name="Group 39"/>
+            <p:cNvGrpSpPr>
+              <a:grpSpLocks noChangeAspect="1"/>
+            </p:cNvGrpSpPr>
             <p:nvPr/>
           </p:nvGrpSpPr>
           <p:grpSpPr>
             <a:xfrm>
-              <a:off x="-76200" y="829023"/>
-              <a:ext cx="853372" cy="548572"/>
-              <a:chOff x="-76200" y="829023"/>
-              <a:chExt cx="853372" cy="548572"/>
+              <a:off x="953718" y="425619"/>
+              <a:ext cx="358780" cy="624637"/>
+              <a:chOff x="699776" y="319217"/>
+              <a:chExt cx="298983" cy="520528"/>
+            </a:xfrm>
+            <a:solidFill>
+              <a:schemeClr val="bg1"/>
+            </a:solidFill>
+          </p:grpSpPr>
+          <p:sp>
+            <p:nvSpPr>
+              <p:cNvPr id="52" name="Flowchart: Connector 51"/>
+              <p:cNvSpPr/>
+              <p:nvPr/>
+            </p:nvSpPr>
+            <p:spPr>
+              <a:xfrm>
+                <a:off x="738937" y="319217"/>
+                <a:ext cx="220662" cy="220660"/>
+              </a:xfrm>
+              <a:prstGeom prst="flowChartConnector">
+                <a:avLst/>
+              </a:prstGeom>
+              <a:grpFill/>
+              <a:ln>
+                <a:solidFill>
+                  <a:schemeClr val="accent6">
+                    <a:lumMod val="75000"/>
+                  </a:schemeClr>
+                </a:solidFill>
+              </a:ln>
+            </p:spPr>
+            <p:style>
+              <a:lnRef idx="2">
+                <a:schemeClr val="accent1">
+                  <a:shade val="50000"/>
+                </a:schemeClr>
+              </a:lnRef>
+              <a:fillRef idx="1">
+                <a:schemeClr val="accent1"/>
+              </a:fillRef>
+              <a:effectRef idx="0">
+                <a:schemeClr val="accent1"/>
+              </a:effectRef>
+              <a:fontRef idx="minor">
+                <a:schemeClr val="lt1"/>
+              </a:fontRef>
+            </p:style>
+            <p:txBody>
+              <a:bodyPr rtlCol="0" anchor="ctr"/>
+              <a:lstStyle/>
+              <a:p>
+                <a:pPr algn="ctr"/>
+                <a:endParaRPr lang="en-SG"/>
+              </a:p>
+            </p:txBody>
+          </p:sp>
+          <p:sp>
+            <p:nvSpPr>
+              <p:cNvPr id="53" name="Flowchart: Delay 52"/>
+              <p:cNvSpPr/>
+              <p:nvPr/>
+            </p:nvSpPr>
+            <p:spPr>
+              <a:xfrm rot="16200000">
+                <a:off x="709092" y="550078"/>
+                <a:ext cx="280351" cy="298983"/>
+              </a:xfrm>
+              <a:prstGeom prst="flowChartDelay">
+                <a:avLst/>
+              </a:prstGeom>
+              <a:grpFill/>
+              <a:ln>
+                <a:solidFill>
+                  <a:schemeClr val="accent6">
+                    <a:lumMod val="75000"/>
+                  </a:schemeClr>
+                </a:solidFill>
+              </a:ln>
+            </p:spPr>
+            <p:style>
+              <a:lnRef idx="2">
+                <a:schemeClr val="accent1">
+                  <a:shade val="50000"/>
+                </a:schemeClr>
+              </a:lnRef>
+              <a:fillRef idx="1">
+                <a:schemeClr val="accent1"/>
+              </a:fillRef>
+              <a:effectRef idx="0">
+                <a:schemeClr val="accent1"/>
+              </a:effectRef>
+              <a:fontRef idx="minor">
+                <a:schemeClr val="lt1"/>
+              </a:fontRef>
+            </p:style>
+            <p:txBody>
+              <a:bodyPr rtlCol="0" anchor="ctr"/>
+              <a:lstStyle/>
+              <a:p>
+                <a:pPr algn="ctr"/>
+                <a:endParaRPr lang="en-SG"/>
+              </a:p>
+            </p:txBody>
+          </p:sp>
+          <p:sp>
+            <p:nvSpPr>
+              <p:cNvPr id="54" name="Freeform 53"/>
+              <p:cNvSpPr/>
+              <p:nvPr/>
+            </p:nvSpPr>
+            <p:spPr>
+              <a:xfrm>
+                <a:off x="943386" y="479407"/>
+                <a:ext cx="50006" cy="19050"/>
+              </a:xfrm>
+              <a:custGeom>
+                <a:avLst/>
+                <a:gdLst>
+                  <a:gd name="connsiteX0" fmla="*/ 0 w 50006"/>
+                  <a:gd name="connsiteY0" fmla="*/ 0 h 19050"/>
+                  <a:gd name="connsiteX1" fmla="*/ 0 w 50006"/>
+                  <a:gd name="connsiteY1" fmla="*/ 0 h 19050"/>
+                  <a:gd name="connsiteX2" fmla="*/ 21431 w 50006"/>
+                  <a:gd name="connsiteY2" fmla="*/ 4762 h 19050"/>
+                  <a:gd name="connsiteX3" fmla="*/ 28575 w 50006"/>
+                  <a:gd name="connsiteY3" fmla="*/ 9525 h 19050"/>
+                  <a:gd name="connsiteX4" fmla="*/ 38100 w 50006"/>
+                  <a:gd name="connsiteY4" fmla="*/ 14287 h 19050"/>
+                  <a:gd name="connsiteX5" fmla="*/ 50006 w 50006"/>
+                  <a:gd name="connsiteY5" fmla="*/ 19050 h 19050"/>
+                </a:gdLst>
+                <a:ahLst/>
+                <a:cxnLst>
+                  <a:cxn ang="0">
+                    <a:pos x="connsiteX0" y="connsiteY0"/>
+                  </a:cxn>
+                  <a:cxn ang="0">
+                    <a:pos x="connsiteX1" y="connsiteY1"/>
+                  </a:cxn>
+                  <a:cxn ang="0">
+                    <a:pos x="connsiteX2" y="connsiteY2"/>
+                  </a:cxn>
+                  <a:cxn ang="0">
+                    <a:pos x="connsiteX3" y="connsiteY3"/>
+                  </a:cxn>
+                  <a:cxn ang="0">
+                    <a:pos x="connsiteX4" y="connsiteY4"/>
+                  </a:cxn>
+                  <a:cxn ang="0">
+                    <a:pos x="connsiteX5" y="connsiteY5"/>
+                  </a:cxn>
+                </a:cxnLst>
+                <a:rect l="l" t="t" r="r" b="b"/>
+                <a:pathLst>
+                  <a:path w="50006" h="19050">
+                    <a:moveTo>
+                      <a:pt x="0" y="0"/>
+                    </a:moveTo>
+                    <a:lnTo>
+                      <a:pt x="0" y="0"/>
+                    </a:lnTo>
+                    <a:cubicBezTo>
+                      <a:pt x="7144" y="1587"/>
+                      <a:pt x="14489" y="2448"/>
+                      <a:pt x="21431" y="4762"/>
+                    </a:cubicBezTo>
+                    <a:cubicBezTo>
+                      <a:pt x="24146" y="5667"/>
+                      <a:pt x="26090" y="8105"/>
+                      <a:pt x="28575" y="9525"/>
+                    </a:cubicBezTo>
+                    <a:cubicBezTo>
+                      <a:pt x="31657" y="11286"/>
+                      <a:pt x="34837" y="12889"/>
+                      <a:pt x="38100" y="14287"/>
+                    </a:cubicBezTo>
+                    <a:cubicBezTo>
+                      <a:pt x="58672" y="23103"/>
+                      <a:pt x="34691" y="11391"/>
+                      <a:pt x="50006" y="19050"/>
+                    </a:cubicBezTo>
+                  </a:path>
+                </a:pathLst>
+              </a:custGeom>
+              <a:grpFill/>
+              <a:ln>
+                <a:solidFill>
+                  <a:schemeClr val="accent6">
+                    <a:lumMod val="75000"/>
+                  </a:schemeClr>
+                </a:solidFill>
+              </a:ln>
+            </p:spPr>
+            <p:style>
+              <a:lnRef idx="2">
+                <a:schemeClr val="accent1">
+                  <a:shade val="50000"/>
+                </a:schemeClr>
+              </a:lnRef>
+              <a:fillRef idx="1">
+                <a:schemeClr val="accent1"/>
+              </a:fillRef>
+              <a:effectRef idx="0">
+                <a:schemeClr val="accent1"/>
+              </a:effectRef>
+              <a:fontRef idx="minor">
+                <a:schemeClr val="lt1"/>
+              </a:fontRef>
+            </p:style>
+            <p:txBody>
+              <a:bodyPr rtlCol="0" anchor="ctr"/>
+              <a:lstStyle/>
+              <a:p>
+                <a:pPr algn="ctr"/>
+                <a:endParaRPr lang="en-SG"/>
+              </a:p>
+            </p:txBody>
+          </p:sp>
+          <p:sp>
+            <p:nvSpPr>
+              <p:cNvPr id="55" name="Flowchart: Connector 54"/>
+              <p:cNvSpPr/>
+              <p:nvPr/>
+            </p:nvSpPr>
+            <p:spPr>
+              <a:xfrm flipH="1">
+                <a:off x="851649" y="373837"/>
+                <a:ext cx="45719" cy="45719"/>
+              </a:xfrm>
+              <a:prstGeom prst="flowChartConnector">
+                <a:avLst/>
+              </a:prstGeom>
+              <a:solidFill>
+                <a:schemeClr val="bg1"/>
+              </a:solidFill>
+              <a:ln>
+                <a:solidFill>
+                  <a:schemeClr val="accent6">
+                    <a:lumMod val="75000"/>
+                  </a:schemeClr>
+                </a:solidFill>
+              </a:ln>
+            </p:spPr>
+            <p:style>
+              <a:lnRef idx="2">
+                <a:schemeClr val="accent1">
+                  <a:shade val="50000"/>
+                </a:schemeClr>
+              </a:lnRef>
+              <a:fillRef idx="1">
+                <a:schemeClr val="accent1"/>
+              </a:fillRef>
+              <a:effectRef idx="0">
+                <a:schemeClr val="accent1"/>
+              </a:effectRef>
+              <a:fontRef idx="minor">
+                <a:schemeClr val="lt1"/>
+              </a:fontRef>
+            </p:style>
+            <p:txBody>
+              <a:bodyPr rtlCol="0" anchor="ctr"/>
+              <a:lstStyle/>
+              <a:p>
+                <a:pPr algn="ctr"/>
+                <a:endParaRPr lang="en-SG"/>
+              </a:p>
+            </p:txBody>
+          </p:sp>
+        </p:grpSp>
+        <p:grpSp>
+          <p:nvGrpSpPr>
+            <p:cNvPr id="41" name="Group 40"/>
+            <p:cNvGrpSpPr>
+              <a:grpSpLocks noChangeAspect="1"/>
+            </p:cNvGrpSpPr>
+            <p:nvPr/>
+          </p:nvGrpSpPr>
+          <p:grpSpPr>
+            <a:xfrm>
+              <a:off x="87672" y="443083"/>
+              <a:ext cx="371496" cy="607174"/>
+              <a:chOff x="593725" y="1760533"/>
+              <a:chExt cx="309580" cy="505979"/>
             </a:xfrm>
           </p:grpSpPr>
-          <p:pic>
-            <p:nvPicPr>
-              <p:cNvPr id="20" name="Picture 5" descr="C:\Users\dcsdcr\AppData\Local\Microsoft\Windows\Temporary Internet Files\Content.IE5\8EW2YN38\MC900432611[1].png"/>
-              <p:cNvPicPr>
-                <a:picLocks noChangeAspect="1" noChangeArrowheads="1"/>
-              </p:cNvPicPr>
+          <p:sp>
+            <p:nvSpPr>
+              <p:cNvPr id="47" name="Flowchart: Delay 46"/>
+              <p:cNvSpPr/>
               <p:nvPr/>
-            </p:nvPicPr>
-            <p:blipFill>
-              <a:blip r:embed="rId3" cstate="print">
-                <a:duotone>
-                  <a:schemeClr val="bg2">
-                    <a:shade val="45000"/>
-                    <a:satMod val="135000"/>
-                  </a:schemeClr>
-                  <a:prstClr val="white"/>
-                </a:duotone>
-              </a:blip>
-              <a:srcRect/>
-              <a:stretch>
-                <a:fillRect/>
-              </a:stretch>
-            </p:blipFill>
-            <p:spPr bwMode="auto">
-              <a:xfrm>
-                <a:off x="-76200" y="829023"/>
-                <a:ext cx="548572" cy="548572"/>
+            </p:nvSpPr>
+            <p:spPr>
+              <a:xfrm rot="16200000">
+                <a:off x="603040" y="1976844"/>
+                <a:ext cx="280353" cy="298983"/>
               </a:xfrm>
-              <a:prstGeom prst="rect">
+              <a:prstGeom prst="flowChartDelay">
                 <a:avLst/>
               </a:prstGeom>
-              <a:noFill/>
+              <a:solidFill>
+                <a:schemeClr val="bg1"/>
+              </a:solidFill>
+              <a:ln>
+                <a:solidFill>
+                  <a:schemeClr val="bg1">
+                    <a:lumMod val="65000"/>
+                  </a:schemeClr>
+                </a:solidFill>
+              </a:ln>
             </p:spPr>
-          </p:pic>
-          <p:pic>
-            <p:nvPicPr>
-              <p:cNvPr id="21" name="Picture 6" descr="C:\Users\dcsdcr\AppData\Local\Microsoft\Windows\Temporary Internet Files\Content.IE5\X9F2A1EC\MC900432609[1].png"/>
-              <p:cNvPicPr>
-                <a:picLocks noChangeAspect="1" noChangeArrowheads="1"/>
-              </p:cNvPicPr>
+            <p:style>
+              <a:lnRef idx="2">
+                <a:schemeClr val="accent1">
+                  <a:shade val="50000"/>
+                </a:schemeClr>
+              </a:lnRef>
+              <a:fillRef idx="1">
+                <a:schemeClr val="accent1"/>
+              </a:fillRef>
+              <a:effectRef idx="0">
+                <a:schemeClr val="accent1"/>
+              </a:effectRef>
+              <a:fontRef idx="minor">
+                <a:schemeClr val="lt1"/>
+              </a:fontRef>
+            </p:style>
+            <p:txBody>
+              <a:bodyPr rtlCol="0" anchor="ctr"/>
+              <a:lstStyle/>
+              <a:p>
+                <a:pPr algn="ctr"/>
+                <a:endParaRPr lang="en-SG"/>
+              </a:p>
+            </p:txBody>
+          </p:sp>
+          <p:grpSp>
+            <p:nvGrpSpPr>
+              <p:cNvPr id="48" name="Group 47"/>
+              <p:cNvGrpSpPr/>
               <p:nvPr/>
-            </p:nvPicPr>
-            <p:blipFill>
-              <a:blip r:embed="rId4" cstate="print">
-                <a:duotone>
-                  <a:schemeClr val="bg2">
-                    <a:shade val="45000"/>
-                    <a:satMod val="135000"/>
+            </p:nvGrpSpPr>
+            <p:grpSpPr>
+              <a:xfrm rot="20404603">
+                <a:off x="635382" y="1760533"/>
+                <a:ext cx="267923" cy="220662"/>
+                <a:chOff x="786804" y="1760533"/>
+                <a:chExt cx="267923" cy="220662"/>
+              </a:xfrm>
+            </p:grpSpPr>
+            <p:sp>
+              <p:nvSpPr>
+                <p:cNvPr id="49" name="Flowchart: Connector 48"/>
+                <p:cNvSpPr/>
+                <p:nvPr/>
+              </p:nvSpPr>
+              <p:spPr>
+                <a:xfrm rot="19707452">
+                  <a:off x="786804" y="1760533"/>
+                  <a:ext cx="220662" cy="220662"/>
+                </a:xfrm>
+                <a:prstGeom prst="flowChartConnector">
+                  <a:avLst/>
+                </a:prstGeom>
+                <a:solidFill>
+                  <a:schemeClr val="bg1"/>
+                </a:solidFill>
+                <a:ln>
+                  <a:solidFill>
+                    <a:schemeClr val="bg1">
+                      <a:lumMod val="65000"/>
+                    </a:schemeClr>
+                  </a:solidFill>
+                </a:ln>
+              </p:spPr>
+              <p:style>
+                <a:lnRef idx="2">
+                  <a:schemeClr val="accent1">
+                    <a:shade val="50000"/>
                   </a:schemeClr>
-                  <a:prstClr val="white"/>
-                </a:duotone>
-              </a:blip>
-              <a:srcRect/>
-              <a:stretch>
-                <a:fillRect/>
-              </a:stretch>
-            </p:blipFill>
-            <p:spPr bwMode="auto">
-              <a:xfrm>
-                <a:off x="76200" y="829023"/>
-                <a:ext cx="548572" cy="548572"/>
+                </a:lnRef>
+                <a:fillRef idx="1">
+                  <a:schemeClr val="accent1"/>
+                </a:fillRef>
+                <a:effectRef idx="0">
+                  <a:schemeClr val="accent1"/>
+                </a:effectRef>
+                <a:fontRef idx="minor">
+                  <a:schemeClr val="lt1"/>
+                </a:fontRef>
+              </p:style>
+              <p:txBody>
+                <a:bodyPr rtlCol="0" anchor="ctr"/>
+                <a:lstStyle/>
+                <a:p>
+                  <a:pPr algn="ctr"/>
+                  <a:endParaRPr lang="en-SG"/>
+                </a:p>
+              </p:txBody>
+            </p:sp>
+            <p:sp>
+              <p:nvSpPr>
+                <p:cNvPr id="50" name="Freeform 49"/>
+                <p:cNvSpPr/>
+                <p:nvPr/>
+              </p:nvSpPr>
+              <p:spPr>
+                <a:xfrm rot="19707452">
+                  <a:off x="1004721" y="1849632"/>
+                  <a:ext cx="50006" cy="19050"/>
+                </a:xfrm>
+                <a:custGeom>
+                  <a:avLst/>
+                  <a:gdLst>
+                    <a:gd name="connsiteX0" fmla="*/ 0 w 50006"/>
+                    <a:gd name="connsiteY0" fmla="*/ 0 h 19050"/>
+                    <a:gd name="connsiteX1" fmla="*/ 0 w 50006"/>
+                    <a:gd name="connsiteY1" fmla="*/ 0 h 19050"/>
+                    <a:gd name="connsiteX2" fmla="*/ 21431 w 50006"/>
+                    <a:gd name="connsiteY2" fmla="*/ 4762 h 19050"/>
+                    <a:gd name="connsiteX3" fmla="*/ 28575 w 50006"/>
+                    <a:gd name="connsiteY3" fmla="*/ 9525 h 19050"/>
+                    <a:gd name="connsiteX4" fmla="*/ 38100 w 50006"/>
+                    <a:gd name="connsiteY4" fmla="*/ 14287 h 19050"/>
+                    <a:gd name="connsiteX5" fmla="*/ 50006 w 50006"/>
+                    <a:gd name="connsiteY5" fmla="*/ 19050 h 19050"/>
+                  </a:gdLst>
+                  <a:ahLst/>
+                  <a:cxnLst>
+                    <a:cxn ang="0">
+                      <a:pos x="connsiteX0" y="connsiteY0"/>
+                    </a:cxn>
+                    <a:cxn ang="0">
+                      <a:pos x="connsiteX1" y="connsiteY1"/>
+                    </a:cxn>
+                    <a:cxn ang="0">
+                      <a:pos x="connsiteX2" y="connsiteY2"/>
+                    </a:cxn>
+                    <a:cxn ang="0">
+                      <a:pos x="connsiteX3" y="connsiteY3"/>
+                    </a:cxn>
+                    <a:cxn ang="0">
+                      <a:pos x="connsiteX4" y="connsiteY4"/>
+                    </a:cxn>
+                    <a:cxn ang="0">
+                      <a:pos x="connsiteX5" y="connsiteY5"/>
+                    </a:cxn>
+                  </a:cxnLst>
+                  <a:rect l="l" t="t" r="r" b="b"/>
+                  <a:pathLst>
+                    <a:path w="50006" h="19050">
+                      <a:moveTo>
+                        <a:pt x="0" y="0"/>
+                      </a:moveTo>
+                      <a:lnTo>
+                        <a:pt x="0" y="0"/>
+                      </a:lnTo>
+                      <a:cubicBezTo>
+                        <a:pt x="7144" y="1587"/>
+                        <a:pt x="14489" y="2448"/>
+                        <a:pt x="21431" y="4762"/>
+                      </a:cubicBezTo>
+                      <a:cubicBezTo>
+                        <a:pt x="24146" y="5667"/>
+                        <a:pt x="26090" y="8105"/>
+                        <a:pt x="28575" y="9525"/>
+                      </a:cubicBezTo>
+                      <a:cubicBezTo>
+                        <a:pt x="31657" y="11286"/>
+                        <a:pt x="34837" y="12889"/>
+                        <a:pt x="38100" y="14287"/>
+                      </a:cubicBezTo>
+                      <a:cubicBezTo>
+                        <a:pt x="58672" y="23103"/>
+                        <a:pt x="34691" y="11391"/>
+                        <a:pt x="50006" y="19050"/>
+                      </a:cubicBezTo>
+                    </a:path>
+                  </a:pathLst>
+                </a:custGeom>
+                <a:solidFill>
+                  <a:schemeClr val="bg1"/>
+                </a:solidFill>
+                <a:ln>
+                  <a:solidFill>
+                    <a:schemeClr val="bg1">
+                      <a:lumMod val="65000"/>
+                    </a:schemeClr>
+                  </a:solidFill>
+                </a:ln>
+              </p:spPr>
+              <p:style>
+                <a:lnRef idx="2">
+                  <a:schemeClr val="accent1">
+                    <a:shade val="50000"/>
+                  </a:schemeClr>
+                </a:lnRef>
+                <a:fillRef idx="1">
+                  <a:schemeClr val="accent1"/>
+                </a:fillRef>
+                <a:effectRef idx="0">
+                  <a:schemeClr val="accent1"/>
+                </a:effectRef>
+                <a:fontRef idx="minor">
+                  <a:schemeClr val="lt1"/>
+                </a:fontRef>
+              </p:style>
+              <p:txBody>
+                <a:bodyPr rtlCol="0" anchor="ctr"/>
+                <a:lstStyle/>
+                <a:p>
+                  <a:pPr algn="ctr"/>
+                  <a:endParaRPr lang="en-SG"/>
+                </a:p>
+              </p:txBody>
+            </p:sp>
+            <p:sp>
+              <p:nvSpPr>
+                <p:cNvPr id="51" name="Flowchart: Connector 50"/>
+                <p:cNvSpPr/>
+                <p:nvPr/>
+              </p:nvSpPr>
+              <p:spPr>
+                <a:xfrm rot="19707452" flipH="1">
+                  <a:off x="896667" y="1807272"/>
+                  <a:ext cx="45719" cy="45719"/>
+                </a:xfrm>
+                <a:prstGeom prst="flowChartConnector">
+                  <a:avLst/>
+                </a:prstGeom>
+                <a:solidFill>
+                  <a:schemeClr val="bg1"/>
+                </a:solidFill>
+                <a:ln>
+                  <a:solidFill>
+                    <a:schemeClr val="bg1">
+                      <a:lumMod val="65000"/>
+                    </a:schemeClr>
+                  </a:solidFill>
+                </a:ln>
+              </p:spPr>
+              <p:style>
+                <a:lnRef idx="2">
+                  <a:schemeClr val="accent1">
+                    <a:shade val="50000"/>
+                  </a:schemeClr>
+                </a:lnRef>
+                <a:fillRef idx="1">
+                  <a:schemeClr val="accent1"/>
+                </a:fillRef>
+                <a:effectRef idx="0">
+                  <a:schemeClr val="accent1"/>
+                </a:effectRef>
+                <a:fontRef idx="minor">
+                  <a:schemeClr val="lt1"/>
+                </a:fontRef>
+              </p:style>
+              <p:txBody>
+                <a:bodyPr rtlCol="0" anchor="ctr"/>
+                <a:lstStyle/>
+                <a:p>
+                  <a:pPr algn="ctr"/>
+                  <a:endParaRPr lang="en-SG"/>
+                </a:p>
+              </p:txBody>
+            </p:sp>
+          </p:grpSp>
+        </p:grpSp>
+        <p:grpSp>
+          <p:nvGrpSpPr>
+            <p:cNvPr id="42" name="Group 41"/>
+            <p:cNvGrpSpPr>
+              <a:grpSpLocks noChangeAspect="1"/>
+            </p:cNvGrpSpPr>
+            <p:nvPr/>
+          </p:nvGrpSpPr>
+          <p:grpSpPr>
+            <a:xfrm flipH="1">
+              <a:off x="513895" y="452517"/>
+              <a:ext cx="358780" cy="597513"/>
+              <a:chOff x="1075577" y="1768587"/>
+              <a:chExt cx="298983" cy="497928"/>
+            </a:xfrm>
+          </p:grpSpPr>
+          <p:sp>
+            <p:nvSpPr>
+              <p:cNvPr id="43" name="Flowchart: Delay 42"/>
+              <p:cNvSpPr/>
+              <p:nvPr/>
+            </p:nvSpPr>
+            <p:spPr>
+              <a:xfrm rot="16200000">
+                <a:off x="1084892" y="1976846"/>
+                <a:ext cx="280354" cy="298983"/>
               </a:xfrm>
-              <a:prstGeom prst="rect">
+              <a:prstGeom prst="flowChartDelay">
                 <a:avLst/>
               </a:prstGeom>
-              <a:noFill/>
+              <a:solidFill>
+                <a:schemeClr val="bg1"/>
+              </a:solidFill>
+              <a:ln>
+                <a:solidFill>
+                  <a:schemeClr val="bg1">
+                    <a:lumMod val="65000"/>
+                  </a:schemeClr>
+                </a:solidFill>
+              </a:ln>
             </p:spPr>
-          </p:pic>
-          <p:pic>
-            <p:nvPicPr>
-              <p:cNvPr id="22" name="Picture 7" descr="C:\Users\dcsdcr\AppData\Local\Microsoft\Windows\Temporary Internet Files\Content.IE5\DNBC9CGL\MC900432612[1].png"/>
-              <p:cNvPicPr>
-                <a:picLocks noChangeAspect="1" noChangeArrowheads="1"/>
-              </p:cNvPicPr>
+            <p:style>
+              <a:lnRef idx="2">
+                <a:schemeClr val="accent1">
+                  <a:shade val="50000"/>
+                </a:schemeClr>
+              </a:lnRef>
+              <a:fillRef idx="1">
+                <a:schemeClr val="accent1"/>
+              </a:fillRef>
+              <a:effectRef idx="0">
+                <a:schemeClr val="accent1"/>
+              </a:effectRef>
+              <a:fontRef idx="minor">
+                <a:schemeClr val="lt1"/>
+              </a:fontRef>
+            </p:style>
+            <p:txBody>
+              <a:bodyPr rtlCol="0" anchor="ctr"/>
+              <a:lstStyle/>
+              <a:p>
+                <a:pPr algn="ctr"/>
+                <a:endParaRPr lang="en-SG"/>
+              </a:p>
+            </p:txBody>
+          </p:sp>
+          <p:sp>
+            <p:nvSpPr>
+              <p:cNvPr id="44" name="Flowchart: Connector 43"/>
+              <p:cNvSpPr/>
               <p:nvPr/>
-            </p:nvPicPr>
-            <p:blipFill>
-              <a:blip r:embed="rId5" cstate="print">
-                <a:duotone>
-                  <a:schemeClr val="bg2">
-                    <a:shade val="45000"/>
-                    <a:satMod val="135000"/>
-                  </a:schemeClr>
-                  <a:prstClr val="white"/>
-                </a:duotone>
-              </a:blip>
-              <a:srcRect/>
-              <a:stretch>
-                <a:fillRect/>
-              </a:stretch>
-            </p:blipFill>
-            <p:spPr bwMode="auto">
-              <a:xfrm>
-                <a:off x="228600" y="829023"/>
-                <a:ext cx="548572" cy="548572"/>
+            </p:nvSpPr>
+            <p:spPr>
+              <a:xfrm rot="18512055">
+                <a:off x="1118647" y="1768587"/>
+                <a:ext cx="220662" cy="220662"/>
               </a:xfrm>
-              <a:prstGeom prst="rect">
+              <a:prstGeom prst="flowChartConnector">
                 <a:avLst/>
               </a:prstGeom>
-              <a:noFill/>
+              <a:solidFill>
+                <a:schemeClr val="bg1"/>
+              </a:solidFill>
+              <a:ln>
+                <a:solidFill>
+                  <a:schemeClr val="bg1">
+                    <a:lumMod val="65000"/>
+                  </a:schemeClr>
+                </a:solidFill>
+              </a:ln>
             </p:spPr>
-          </p:pic>
+            <p:style>
+              <a:lnRef idx="2">
+                <a:schemeClr val="accent1">
+                  <a:shade val="50000"/>
+                </a:schemeClr>
+              </a:lnRef>
+              <a:fillRef idx="1">
+                <a:schemeClr val="accent1"/>
+              </a:fillRef>
+              <a:effectRef idx="0">
+                <a:schemeClr val="accent1"/>
+              </a:effectRef>
+              <a:fontRef idx="minor">
+                <a:schemeClr val="lt1"/>
+              </a:fontRef>
+            </p:style>
+            <p:txBody>
+              <a:bodyPr rtlCol="0" anchor="ctr"/>
+              <a:lstStyle/>
+              <a:p>
+                <a:pPr algn="ctr"/>
+                <a:endParaRPr lang="en-SG"/>
+              </a:p>
+            </p:txBody>
+          </p:sp>
+          <p:sp>
+            <p:nvSpPr>
+              <p:cNvPr id="45" name="Freeform 44"/>
+              <p:cNvSpPr/>
+              <p:nvPr/>
+            </p:nvSpPr>
+            <p:spPr>
+              <a:xfrm rot="18512055">
+                <a:off x="1324634" y="1813199"/>
+                <a:ext cx="50006" cy="19050"/>
+              </a:xfrm>
+              <a:custGeom>
+                <a:avLst/>
+                <a:gdLst>
+                  <a:gd name="connsiteX0" fmla="*/ 0 w 50006"/>
+                  <a:gd name="connsiteY0" fmla="*/ 0 h 19050"/>
+                  <a:gd name="connsiteX1" fmla="*/ 0 w 50006"/>
+                  <a:gd name="connsiteY1" fmla="*/ 0 h 19050"/>
+                  <a:gd name="connsiteX2" fmla="*/ 21431 w 50006"/>
+                  <a:gd name="connsiteY2" fmla="*/ 4762 h 19050"/>
+                  <a:gd name="connsiteX3" fmla="*/ 28575 w 50006"/>
+                  <a:gd name="connsiteY3" fmla="*/ 9525 h 19050"/>
+                  <a:gd name="connsiteX4" fmla="*/ 38100 w 50006"/>
+                  <a:gd name="connsiteY4" fmla="*/ 14287 h 19050"/>
+                  <a:gd name="connsiteX5" fmla="*/ 50006 w 50006"/>
+                  <a:gd name="connsiteY5" fmla="*/ 19050 h 19050"/>
+                </a:gdLst>
+                <a:ahLst/>
+                <a:cxnLst>
+                  <a:cxn ang="0">
+                    <a:pos x="connsiteX0" y="connsiteY0"/>
+                  </a:cxn>
+                  <a:cxn ang="0">
+                    <a:pos x="connsiteX1" y="connsiteY1"/>
+                  </a:cxn>
+                  <a:cxn ang="0">
+                    <a:pos x="connsiteX2" y="connsiteY2"/>
+                  </a:cxn>
+                  <a:cxn ang="0">
+                    <a:pos x="connsiteX3" y="connsiteY3"/>
+                  </a:cxn>
+                  <a:cxn ang="0">
+                    <a:pos x="connsiteX4" y="connsiteY4"/>
+                  </a:cxn>
+                  <a:cxn ang="0">
+                    <a:pos x="connsiteX5" y="connsiteY5"/>
+                  </a:cxn>
+                </a:cxnLst>
+                <a:rect l="l" t="t" r="r" b="b"/>
+                <a:pathLst>
+                  <a:path w="50006" h="19050">
+                    <a:moveTo>
+                      <a:pt x="0" y="0"/>
+                    </a:moveTo>
+                    <a:lnTo>
+                      <a:pt x="0" y="0"/>
+                    </a:lnTo>
+                    <a:cubicBezTo>
+                      <a:pt x="7144" y="1587"/>
+                      <a:pt x="14489" y="2448"/>
+                      <a:pt x="21431" y="4762"/>
+                    </a:cubicBezTo>
+                    <a:cubicBezTo>
+                      <a:pt x="24146" y="5667"/>
+                      <a:pt x="26090" y="8105"/>
+                      <a:pt x="28575" y="9525"/>
+                    </a:cubicBezTo>
+                    <a:cubicBezTo>
+                      <a:pt x="31657" y="11286"/>
+                      <a:pt x="34837" y="12889"/>
+                      <a:pt x="38100" y="14287"/>
+                    </a:cubicBezTo>
+                    <a:cubicBezTo>
+                      <a:pt x="58672" y="23103"/>
+                      <a:pt x="34691" y="11391"/>
+                      <a:pt x="50006" y="19050"/>
+                    </a:cubicBezTo>
+                  </a:path>
+                </a:pathLst>
+              </a:custGeom>
+              <a:solidFill>
+                <a:schemeClr val="bg1"/>
+              </a:solidFill>
+              <a:ln>
+                <a:solidFill>
+                  <a:schemeClr val="bg1">
+                    <a:lumMod val="65000"/>
+                  </a:schemeClr>
+                </a:solidFill>
+              </a:ln>
+            </p:spPr>
+            <p:style>
+              <a:lnRef idx="2">
+                <a:schemeClr val="accent1">
+                  <a:shade val="50000"/>
+                </a:schemeClr>
+              </a:lnRef>
+              <a:fillRef idx="1">
+                <a:schemeClr val="accent1"/>
+              </a:fillRef>
+              <a:effectRef idx="0">
+                <a:schemeClr val="accent1"/>
+              </a:effectRef>
+              <a:fontRef idx="minor">
+                <a:schemeClr val="lt1"/>
+              </a:fontRef>
+            </p:style>
+            <p:txBody>
+              <a:bodyPr rtlCol="0" anchor="ctr"/>
+              <a:lstStyle/>
+              <a:p>
+                <a:pPr algn="ctr"/>
+                <a:endParaRPr lang="en-SG"/>
+              </a:p>
+            </p:txBody>
+          </p:sp>
+          <p:sp>
+            <p:nvSpPr>
+              <p:cNvPr id="46" name="Flowchart: Connector 45"/>
+              <p:cNvSpPr/>
+              <p:nvPr/>
+            </p:nvSpPr>
+            <p:spPr>
+              <a:xfrm rot="18512055" flipH="1">
+                <a:off x="1207573" y="1810132"/>
+                <a:ext cx="45719" cy="45719"/>
+              </a:xfrm>
+              <a:prstGeom prst="flowChartConnector">
+                <a:avLst/>
+              </a:prstGeom>
+              <a:solidFill>
+                <a:schemeClr val="bg1"/>
+              </a:solidFill>
+              <a:ln>
+                <a:solidFill>
+                  <a:schemeClr val="bg1">
+                    <a:lumMod val="65000"/>
+                  </a:schemeClr>
+                </a:solidFill>
+              </a:ln>
+            </p:spPr>
+            <p:style>
+              <a:lnRef idx="2">
+                <a:schemeClr val="accent1">
+                  <a:shade val="50000"/>
+                </a:schemeClr>
+              </a:lnRef>
+              <a:fillRef idx="1">
+                <a:schemeClr val="accent1"/>
+              </a:fillRef>
+              <a:effectRef idx="0">
+                <a:schemeClr val="accent1"/>
+              </a:effectRef>
+              <a:fontRef idx="minor">
+                <a:schemeClr val="lt1"/>
+              </a:fontRef>
+            </p:style>
+            <p:txBody>
+              <a:bodyPr rtlCol="0" anchor="ctr"/>
+              <a:lstStyle/>
+              <a:p>
+                <a:pPr algn="ctr"/>
+                <a:endParaRPr lang="en-SG"/>
+              </a:p>
+            </p:txBody>
+          </p:sp>
         </p:grpSp>
-        <p:pic>
-          <p:nvPicPr>
-            <p:cNvPr id="15" name="Picture 8" descr="C:\Users\dcsdcr\AppData\Local\Microsoft\Windows\Temporary Internet Files\Content.IE5\VAN5VK8I\MC900432610[1].png"/>
-            <p:cNvPicPr>
-              <a:picLocks noChangeAspect="1" noChangeArrowheads="1"/>
-            </p:cNvPicPr>
-            <p:nvPr/>
-          </p:nvPicPr>
-          <p:blipFill>
-            <a:blip r:embed="rId6" cstate="print"/>
-            <a:srcRect/>
-            <a:stretch>
-              <a:fillRect/>
-            </a:stretch>
-          </p:blipFill>
-          <p:spPr bwMode="auto">
-            <a:xfrm>
-              <a:off x="457200" y="688745"/>
-              <a:ext cx="762000" cy="762000"/>
-            </a:xfrm>
-            <a:prstGeom prst="rect">
-              <a:avLst/>
-            </a:prstGeom>
-            <a:noFill/>
-          </p:spPr>
-        </p:pic>
       </p:grpSp>
     </p:spTree>
   </p:cSld>
@@ -3549,6 +4249,12 @@
     </p:tnLst>
   </p:timing>
 </p:sld>
+</file>
+
+<file path=ppt/tags/tag1.xml><?xml version="1.0" encoding="utf-8"?>
+<p:tagLst xmlns:a="http://schemas.openxmlformats.org/drawingml/2006/main" xmlns:r="http://schemas.openxmlformats.org/officeDocument/2006/relationships" xmlns:p="http://schemas.openxmlformats.org/presentationml/2006/main">
+  <p:tag name="ARTICULATE_PROJECT_OPEN" val="0"/>
+</p:tagLst>
 </file>
 
 <file path=ppt/theme/theme1.xml><?xml version="1.0" encoding="utf-8"?>
